--- a/workshop_presentation.pptx
+++ b/workshop_presentation.pptx
@@ -5,14 +5,16 @@
     <p:sldMasterId id="2147483648" r:id="rId1"/>
   </p:sldMasterIdLst>
   <p:notesMasterIdLst>
-    <p:notesMasterId r:id="rId7"/>
+    <p:notesMasterId r:id="rId9"/>
   </p:notesMasterIdLst>
   <p:sldIdLst>
     <p:sldId id="301" r:id="rId2"/>
     <p:sldId id="302" r:id="rId3"/>
     <p:sldId id="305" r:id="rId4"/>
-    <p:sldId id="304" r:id="rId5"/>
-    <p:sldId id="275" r:id="rId6"/>
+    <p:sldId id="306" r:id="rId5"/>
+    <p:sldId id="307" r:id="rId6"/>
+    <p:sldId id="304" r:id="rId7"/>
+    <p:sldId id="275" r:id="rId8"/>
   </p:sldIdLst>
   <p:sldSz cx="12192000" cy="6858000"/>
   <p:notesSz cx="6794500" cy="9906000"/>
@@ -213,7 +215,7 @@
           <a:p>
             <a:fld id="{97D99162-D6EF-4885-9C78-4121CE2B4175}" type="datetimeFigureOut">
               <a:rPr lang="en-GB" smtClean="0"/>
-              <a:t>13/09/2022</a:t>
+              <a:t>14/09/2022</a:t>
             </a:fld>
             <a:endParaRPr lang="en-GB"/>
           </a:p>
@@ -628,7 +630,7 @@
           <a:p>
             <a:fld id="{94AF528F-1393-4660-BBE4-86D18F5E388D}" type="datetimeFigureOut">
               <a:rPr lang="en-US" smtClean="0"/>
-              <a:t>9/13/2022</a:t>
+              <a:t>9/14/2022</a:t>
             </a:fld>
             <a:endParaRPr lang="en-US"/>
           </a:p>
@@ -826,7 +828,7 @@
           <a:p>
             <a:fld id="{94AF528F-1393-4660-BBE4-86D18F5E388D}" type="datetimeFigureOut">
               <a:rPr lang="en-US" smtClean="0"/>
-              <a:t>9/13/2022</a:t>
+              <a:t>9/14/2022</a:t>
             </a:fld>
             <a:endParaRPr lang="en-US"/>
           </a:p>
@@ -1034,7 +1036,7 @@
           <a:p>
             <a:fld id="{94AF528F-1393-4660-BBE4-86D18F5E388D}" type="datetimeFigureOut">
               <a:rPr lang="en-US" smtClean="0"/>
-              <a:t>9/13/2022</a:t>
+              <a:t>9/14/2022</a:t>
             </a:fld>
             <a:endParaRPr lang="en-US"/>
           </a:p>
@@ -1232,7 +1234,7 @@
           <a:p>
             <a:fld id="{94AF528F-1393-4660-BBE4-86D18F5E388D}" type="datetimeFigureOut">
               <a:rPr lang="en-US" smtClean="0"/>
-              <a:t>9/13/2022</a:t>
+              <a:t>9/14/2022</a:t>
             </a:fld>
             <a:endParaRPr lang="en-US"/>
           </a:p>
@@ -1507,7 +1509,7 @@
           <a:p>
             <a:fld id="{94AF528F-1393-4660-BBE4-86D18F5E388D}" type="datetimeFigureOut">
               <a:rPr lang="en-US" smtClean="0"/>
-              <a:t>9/13/2022</a:t>
+              <a:t>9/14/2022</a:t>
             </a:fld>
             <a:endParaRPr lang="en-US"/>
           </a:p>
@@ -1772,7 +1774,7 @@
           <a:p>
             <a:fld id="{94AF528F-1393-4660-BBE4-86D18F5E388D}" type="datetimeFigureOut">
               <a:rPr lang="en-US" smtClean="0"/>
-              <a:t>9/13/2022</a:t>
+              <a:t>9/14/2022</a:t>
             </a:fld>
             <a:endParaRPr lang="en-US"/>
           </a:p>
@@ -2184,7 +2186,7 @@
           <a:p>
             <a:fld id="{94AF528F-1393-4660-BBE4-86D18F5E388D}" type="datetimeFigureOut">
               <a:rPr lang="en-US" smtClean="0"/>
-              <a:t>9/13/2022</a:t>
+              <a:t>9/14/2022</a:t>
             </a:fld>
             <a:endParaRPr lang="en-US"/>
           </a:p>
@@ -2325,7 +2327,7 @@
           <a:p>
             <a:fld id="{94AF528F-1393-4660-BBE4-86D18F5E388D}" type="datetimeFigureOut">
               <a:rPr lang="en-US" smtClean="0"/>
-              <a:t>9/13/2022</a:t>
+              <a:t>9/14/2022</a:t>
             </a:fld>
             <a:endParaRPr lang="en-US"/>
           </a:p>
@@ -2438,7 +2440,7 @@
           <a:p>
             <a:fld id="{94AF528F-1393-4660-BBE4-86D18F5E388D}" type="datetimeFigureOut">
               <a:rPr lang="en-US" smtClean="0"/>
-              <a:t>9/13/2022</a:t>
+              <a:t>9/14/2022</a:t>
             </a:fld>
             <a:endParaRPr lang="en-US"/>
           </a:p>
@@ -2749,7 +2751,7 @@
           <a:p>
             <a:fld id="{94AF528F-1393-4660-BBE4-86D18F5E388D}" type="datetimeFigureOut">
               <a:rPr lang="en-US" smtClean="0"/>
-              <a:t>9/13/2022</a:t>
+              <a:t>9/14/2022</a:t>
             </a:fld>
             <a:endParaRPr lang="en-US"/>
           </a:p>
@@ -3037,7 +3039,7 @@
           <a:p>
             <a:fld id="{94AF528F-1393-4660-BBE4-86D18F5E388D}" type="datetimeFigureOut">
               <a:rPr lang="en-US" smtClean="0"/>
-              <a:t>9/13/2022</a:t>
+              <a:t>9/14/2022</a:t>
             </a:fld>
             <a:endParaRPr lang="en-US"/>
           </a:p>
@@ -3278,7 +3280,7 @@
           <a:p>
             <a:fld id="{94AF528F-1393-4660-BBE4-86D18F5E388D}" type="datetimeFigureOut">
               <a:rPr lang="en-US" smtClean="0"/>
-              <a:t>9/13/2022</a:t>
+              <a:t>9/14/2022</a:t>
             </a:fld>
             <a:endParaRPr lang="en-US"/>
           </a:p>
@@ -3926,7 +3928,7 @@
               <a:rPr lang="pt-PT" sz="1600" dirty="0">
                 <a:latin typeface="Avenir Next LT Pro" panose="020B0504020202020204" pitchFamily="34" charset="0"/>
               </a:rPr>
-              <a:t>September 16th 2022</a:t>
+              <a:t>16 de Setembro de 2022</a:t>
             </a:r>
           </a:p>
           <a:p>
@@ -4219,7 +4221,7 @@
         </p:nvSpPr>
         <p:spPr>
           <a:xfrm>
-            <a:off x="2942321" y="1021266"/>
+            <a:off x="958289" y="961770"/>
             <a:ext cx="6307358" cy="620864"/>
           </a:xfrm>
         </p:spPr>
@@ -4234,7 +4236,7 @@
               <a:rPr lang="pt-PT" sz="2800" dirty="0">
                 <a:latin typeface="Avenir Next LT Pro Demi" panose="020B0704020202020204" pitchFamily="34" charset="0"/>
               </a:rPr>
-              <a:t>Overview</a:t>
+              <a:t>Estrutura do Workshop</a:t>
             </a:r>
           </a:p>
         </p:txBody>
@@ -4255,7 +4257,7 @@
         </p:nvCxnSpPr>
         <p:spPr>
           <a:xfrm>
-            <a:off x="3050726" y="1642130"/>
+            <a:off x="1066694" y="1582634"/>
             <a:ext cx="533483" cy="0"/>
           </a:xfrm>
           <a:prstGeom prst="line">
@@ -4298,8 +4300,8 @@
         </p:nvSpPr>
         <p:spPr>
           <a:xfrm>
-            <a:off x="2942321" y="1622320"/>
-            <a:ext cx="7291386" cy="2742645"/>
+            <a:off x="958289" y="1592107"/>
+            <a:ext cx="9985014" cy="4178713"/>
           </a:xfrm>
           <a:prstGeom prst="rect">
             <a:avLst/>
@@ -4495,7 +4497,7 @@
               <a:rPr lang="pt-PT" sz="2000" dirty="0">
                 <a:latin typeface="Avenir Next LT Pro" panose="020B0504020202020204" pitchFamily="34" charset="0"/>
               </a:rPr>
-              <a:t>Introduction to BeautifulSoup 4 python module</a:t>
+              <a:t>Introdução ao módulo python bs4 com exemplos de código.</a:t>
             </a:r>
           </a:p>
           <a:p>
@@ -4510,7 +4512,22 @@
               <a:rPr lang="pt-PT" sz="2000" dirty="0">
                 <a:latin typeface="Avenir Next LT Pro" panose="020B0504020202020204" pitchFamily="34" charset="0"/>
               </a:rPr>
-              <a:t>Case study: Champions league data</a:t>
+              <a:t>Conceitos gerais de como extrair o HTML de páginas da internet</a:t>
+            </a:r>
+          </a:p>
+          <a:p>
+            <a:pPr marL="457200" indent="-457200" algn="l">
+              <a:lnSpc>
+                <a:spcPct val="200000"/>
+              </a:lnSpc>
+              <a:buFont typeface="+mj-lt"/>
+              <a:buAutoNum type="arabicPeriod"/>
+            </a:pPr>
+            <a:r>
+              <a:rPr lang="pt-PT" sz="2000" dirty="0">
+                <a:latin typeface="Avenir Next LT Pro" panose="020B0504020202020204" pitchFamily="34" charset="0"/>
+              </a:rPr>
+              <a:t>Exemplo prático: Que indicador estatístico de uma equipa está mais correlacionado com o número de golos marcados na fase de grupos da liga dos campeões?</a:t>
             </a:r>
           </a:p>
           <a:p>
@@ -4761,44 +4778,6 @@
       </p:pic>
       <p:sp>
         <p:nvSpPr>
-          <p:cNvPr id="5" name="Title 1">
-            <a:extLst>
-              <a:ext uri="{FF2B5EF4-FFF2-40B4-BE49-F238E27FC236}">
-                <a16:creationId xmlns:a16="http://schemas.microsoft.com/office/drawing/2014/main" id="{E7E73120-0A15-6485-0756-AD206C218108}"/>
-              </a:ext>
-            </a:extLst>
-          </p:cNvPr>
-          <p:cNvSpPr>
-            <a:spLocks noGrp="1"/>
-          </p:cNvSpPr>
-          <p:nvPr>
-            <p:ph type="ctrTitle"/>
-          </p:nvPr>
-        </p:nvSpPr>
-        <p:spPr>
-          <a:xfrm>
-            <a:off x="374381" y="983166"/>
-            <a:ext cx="6307358" cy="620864"/>
-          </a:xfrm>
-        </p:spPr>
-        <p:txBody>
-          <a:bodyPr>
-            <a:noAutofit/>
-          </a:bodyPr>
-          <a:lstStyle/>
-          <a:p>
-            <a:pPr algn="l"/>
-            <a:r>
-              <a:rPr lang="pt-PT" sz="2800" dirty="0">
-                <a:latin typeface="Avenir Next LT Pro Demi" panose="020B0704020202020204" pitchFamily="34" charset="0"/>
-              </a:rPr>
-              <a:t>1. </a:t>
-            </a:r>
-          </a:p>
-        </p:txBody>
-      </p:sp>
-      <p:sp>
-        <p:nvSpPr>
           <p:cNvPr id="6" name="TextBox 5">
             <a:extLst>
               <a:ext uri="{FF2B5EF4-FFF2-40B4-BE49-F238E27FC236}">
@@ -4811,8 +4790,8 @@
         </p:nvSpPr>
         <p:spPr>
           <a:xfrm>
-            <a:off x="711386" y="2224894"/>
-            <a:ext cx="3525334" cy="2241191"/>
+            <a:off x="958289" y="1979087"/>
+            <a:ext cx="10083337" cy="4852098"/>
           </a:xfrm>
           <a:prstGeom prst="rect">
             <a:avLst/>
@@ -4824,22 +4803,6 @@
             <a:spAutoFit/>
           </a:bodyPr>
           <a:lstStyle/>
-          <a:p>
-            <a:pPr>
-              <a:lnSpc>
-                <a:spcPct val="150000"/>
-              </a:lnSpc>
-              <a:spcAft>
-                <a:spcPts val="1200"/>
-              </a:spcAft>
-            </a:pPr>
-            <a:r>
-              <a:rPr lang="en-US" dirty="0">
-                <a:latin typeface="Avenir Next LT Pro Demi" panose="020B0704020202020204" pitchFamily="34" charset="0"/>
-              </a:rPr>
-              <a:t>General Info:</a:t>
-            </a:r>
-          </a:p>
           <a:p>
             <a:pPr marL="285750" indent="-285750">
               <a:lnSpc>
@@ -4849,20 +4812,11 @@
               <a:buChar char="•"/>
             </a:pPr>
             <a:r>
-              <a:rPr lang="en-US" sz="1400" dirty="0">
+              <a:rPr lang="pt-PT" sz="1600" dirty="0">
                 <a:latin typeface="Avenir Next LT Pro" panose="020B0504020202020204" pitchFamily="34" charset="0"/>
               </a:rPr>
-              <a:t>Name: </a:t>
-            </a:r>
-            <a:r>
-              <a:rPr lang="en-US" sz="1400" dirty="0" err="1">
-                <a:latin typeface="Avenir Next LT Pro" panose="020B0504020202020204" pitchFamily="34" charset="0"/>
-              </a:rPr>
-              <a:t>BlueRAS</a:t>
-            </a:r>
-            <a:endParaRPr lang="en-US" sz="1400" dirty="0">
-              <a:latin typeface="Avenir Next LT Pro" panose="020B0504020202020204" pitchFamily="34" charset="0"/>
-            </a:endParaRPr>
+              <a:t>bs4 é um modulo python que permite transformar documentos HTML numa estrutura hierarquizada de objectos python.</a:t>
+            </a:r>
           </a:p>
           <a:p>
             <a:pPr marL="285750" indent="-285750">
@@ -4873,10 +4827,10 @@
               <a:buChar char="•"/>
             </a:pPr>
             <a:r>
-              <a:rPr lang="en-US" sz="1400" dirty="0">
+              <a:rPr lang="pt-PT" sz="1600" dirty="0">
                 <a:latin typeface="Avenir Next LT Pro" panose="020B0504020202020204" pitchFamily="34" charset="0"/>
               </a:rPr>
-              <a:t>Duration: 18 months</a:t>
+              <a:t>Instalação: “pip install beautifulsoup4”.</a:t>
             </a:r>
           </a:p>
           <a:p>
@@ -4888,10 +4842,10 @@
               <a:buChar char="•"/>
             </a:pPr>
             <a:r>
-              <a:rPr lang="en-US" sz="1400" dirty="0">
+              <a:rPr lang="pt-PT" sz="1600" dirty="0">
                 <a:latin typeface="Avenir Next LT Pro" panose="020B0504020202020204" pitchFamily="34" charset="0"/>
               </a:rPr>
-              <a:t>Total Budget: 186.556,00 €</a:t>
+              <a:t>A transformação do HTML em objectos python é através da inicialização da classe BeautifulSoup com o HTML como argumento com o parser adequado (e.g. “html.parser”).</a:t>
             </a:r>
           </a:p>
           <a:p>
@@ -4903,10 +4857,68 @@
               <a:buChar char="•"/>
             </a:pPr>
             <a:r>
-              <a:rPr lang="en-US" sz="1400" dirty="0">
+              <a:rPr lang="pt-PT" sz="1600" dirty="0">
                 <a:latin typeface="Avenir Next LT Pro" panose="020B0504020202020204" pitchFamily="34" charset="0"/>
               </a:rPr>
-              <a:t>EEA Grant Amount: 149.245,00 €</a:t>
+              <a:t>Lógica de utilização para webscrapping:</a:t>
+            </a:r>
+          </a:p>
+          <a:p>
+            <a:pPr marL="800100" lvl="1" indent="-342900">
+              <a:lnSpc>
+                <a:spcPct val="150000"/>
+              </a:lnSpc>
+              <a:buFont typeface="+mj-lt"/>
+              <a:buAutoNum type="arabicPeriod"/>
+            </a:pPr>
+            <a:r>
+              <a:rPr lang="pt-PT" sz="1600" dirty="0">
+                <a:latin typeface="Avenir Next LT Pro" panose="020B0504020202020204" pitchFamily="34" charset="0"/>
+              </a:rPr>
+              <a:t>Encontrar características únicas no HTML (olhando para os tags e respectivos atributos) para conseguir identificar os conteúdos que se pretendem extrair.</a:t>
+            </a:r>
+          </a:p>
+          <a:p>
+            <a:pPr marL="800100" lvl="1" indent="-342900">
+              <a:lnSpc>
+                <a:spcPct val="150000"/>
+              </a:lnSpc>
+              <a:buFont typeface="+mj-lt"/>
+              <a:buAutoNum type="arabicPeriod"/>
+            </a:pPr>
+            <a:r>
+              <a:rPr lang="pt-PT" sz="1600" dirty="0">
+                <a:latin typeface="Avenir Next LT Pro" panose="020B0504020202020204" pitchFamily="34" charset="0"/>
+              </a:rPr>
+              <a:t>Usar as funções da classe BeautifulSoup em conjunto com as características únicas encontradas para filtrar/navegar pelo HTML até chegar aos conteúdos pretendidos</a:t>
+            </a:r>
+          </a:p>
+          <a:p>
+            <a:pPr marL="342900" indent="-342900">
+              <a:lnSpc>
+                <a:spcPct val="150000"/>
+              </a:lnSpc>
+              <a:buFont typeface="Arial" panose="020B0604020202020204" pitchFamily="34" charset="0"/>
+              <a:buChar char="•"/>
+            </a:pPr>
+            <a:r>
+              <a:rPr lang="pt-PT" sz="1600" dirty="0">
+                <a:latin typeface="Avenir Next LT Pro" panose="020B0504020202020204" pitchFamily="34" charset="0"/>
+              </a:rPr>
+              <a:t>Documentação do módulo: </a:t>
+            </a:r>
+            <a:r>
+              <a:rPr lang="pt-PT" sz="1600" dirty="0">
+                <a:latin typeface="Avenir Next LT Pro" panose="020B0504020202020204" pitchFamily="34" charset="0"/>
+                <a:hlinkClick r:id="rId7"/>
+              </a:rPr>
+              <a:t>https://www.crummy.com/software/BeautifulSoup/bs4/doc/</a:t>
+            </a:r>
+            <a:r>
+              <a:rPr lang="pt-PT" sz="1600" dirty="0">
+                <a:latin typeface="Avenir Next LT Pro" panose="020B0504020202020204" pitchFamily="34" charset="0"/>
+              </a:rPr>
+              <a:t> </a:t>
             </a:r>
           </a:p>
           <a:p>
@@ -4917,24 +4929,124 @@
               <a:buFont typeface="Arial" panose="020B0604020202020204" pitchFamily="34" charset="0"/>
               <a:buChar char="•"/>
             </a:pPr>
-            <a:r>
-              <a:rPr lang="en-US" sz="1400" dirty="0">
-                <a:latin typeface="Avenir Next LT Pro" panose="020B0504020202020204" pitchFamily="34" charset="0"/>
-              </a:rPr>
-              <a:t>Partners: Sensaway, Hatch, </a:t>
-            </a:r>
-            <a:r>
-              <a:rPr lang="en-US" sz="1400" dirty="0" err="1">
-                <a:latin typeface="Avenir Next LT Pro" panose="020B0504020202020204" pitchFamily="34" charset="0"/>
-              </a:rPr>
-              <a:t>RasLab</a:t>
-            </a:r>
-            <a:endParaRPr lang="en-US" sz="1400" dirty="0">
+            <a:endParaRPr lang="pt-PT" sz="1600" dirty="0">
               <a:latin typeface="Avenir Next LT Pro" panose="020B0504020202020204" pitchFamily="34" charset="0"/>
             </a:endParaRPr>
           </a:p>
-        </p:txBody>
-      </p:sp>
+          <a:p>
+            <a:pPr marL="285750" indent="-285750">
+              <a:lnSpc>
+                <a:spcPct val="150000"/>
+              </a:lnSpc>
+              <a:buFont typeface="Arial" panose="020B0604020202020204" pitchFamily="34" charset="0"/>
+              <a:buChar char="•"/>
+            </a:pPr>
+            <a:endParaRPr lang="pt-PT" sz="1600" dirty="0">
+              <a:latin typeface="Avenir Next LT Pro" panose="020B0504020202020204" pitchFamily="34" charset="0"/>
+            </a:endParaRPr>
+          </a:p>
+        </p:txBody>
+      </p:sp>
+      <p:sp>
+        <p:nvSpPr>
+          <p:cNvPr id="7" name="Title 1">
+            <a:extLst>
+              <a:ext uri="{FF2B5EF4-FFF2-40B4-BE49-F238E27FC236}">
+                <a16:creationId xmlns:a16="http://schemas.microsoft.com/office/drawing/2014/main" id="{9A2D8599-4F54-029B-34D2-BD6D438949D8}"/>
+              </a:ext>
+            </a:extLst>
+          </p:cNvPr>
+          <p:cNvSpPr txBox="1">
+            <a:spLocks/>
+          </p:cNvSpPr>
+          <p:nvPr/>
+        </p:nvSpPr>
+        <p:spPr>
+          <a:xfrm>
+            <a:off x="958289" y="961770"/>
+            <a:ext cx="6307358" cy="620864"/>
+          </a:xfrm>
+          <a:prstGeom prst="rect">
+            <a:avLst/>
+          </a:prstGeom>
+        </p:spPr>
+        <p:txBody>
+          <a:bodyPr vert="horz" lIns="91440" tIns="45720" rIns="91440" bIns="45720" rtlCol="0" anchor="b">
+            <a:noAutofit/>
+          </a:bodyPr>
+          <a:lstStyle>
+            <a:lvl1pPr algn="ctr" defTabSz="914400" rtl="0" eaLnBrk="1" latinLnBrk="0" hangingPunct="1">
+              <a:lnSpc>
+                <a:spcPct val="90000"/>
+              </a:lnSpc>
+              <a:spcBef>
+                <a:spcPct val="0"/>
+              </a:spcBef>
+              <a:buNone/>
+              <a:defRPr sz="6000" kern="1200">
+                <a:solidFill>
+                  <a:schemeClr val="tx1"/>
+                </a:solidFill>
+                <a:latin typeface="+mj-lt"/>
+                <a:ea typeface="+mj-ea"/>
+                <a:cs typeface="+mj-cs"/>
+              </a:defRPr>
+            </a:lvl1pPr>
+          </a:lstStyle>
+          <a:p>
+            <a:pPr algn="l"/>
+            <a:r>
+              <a:rPr lang="pt-PT" sz="2800" dirty="0">
+                <a:latin typeface="Avenir Next LT Pro Demi" panose="020B0704020202020204" pitchFamily="34" charset="0"/>
+              </a:rPr>
+              <a:t>Módulo Beautiful Soup 4: Resumo</a:t>
+            </a:r>
+          </a:p>
+        </p:txBody>
+      </p:sp>
+      <p:cxnSp>
+        <p:nvCxnSpPr>
+          <p:cNvPr id="8" name="Straight Connector 7">
+            <a:extLst>
+              <a:ext uri="{FF2B5EF4-FFF2-40B4-BE49-F238E27FC236}">
+                <a16:creationId xmlns:a16="http://schemas.microsoft.com/office/drawing/2014/main" id="{F6613922-50E3-AE65-43C9-1231FB856137}"/>
+              </a:ext>
+            </a:extLst>
+          </p:cNvPr>
+          <p:cNvCxnSpPr>
+            <a:cxnSpLocks/>
+          </p:cNvCxnSpPr>
+          <p:nvPr/>
+        </p:nvCxnSpPr>
+        <p:spPr>
+          <a:xfrm>
+            <a:off x="1066694" y="1582634"/>
+            <a:ext cx="533483" cy="0"/>
+          </a:xfrm>
+          <a:prstGeom prst="line">
+            <a:avLst/>
+          </a:prstGeom>
+          <a:ln w="38100">
+            <a:solidFill>
+              <a:schemeClr val="tx1"/>
+            </a:solidFill>
+          </a:ln>
+        </p:spPr>
+        <p:style>
+          <a:lnRef idx="1">
+            <a:schemeClr val="accent1"/>
+          </a:lnRef>
+          <a:fillRef idx="0">
+            <a:schemeClr val="accent1"/>
+          </a:fillRef>
+          <a:effectRef idx="0">
+            <a:schemeClr val="accent1"/>
+          </a:effectRef>
+          <a:fontRef idx="minor">
+            <a:schemeClr val="tx1"/>
+          </a:fontRef>
+        </p:style>
+      </p:cxnSp>
     </p:spTree>
     <p:extLst>
       <p:ext uri="{BB962C8B-B14F-4D97-AF65-F5344CB8AC3E}">
@@ -5089,50 +5201,289 @@
           </a:prstGeom>
         </p:spPr>
       </p:pic>
-      <p:sp>
-        <p:nvSpPr>
-          <p:cNvPr id="13" name="Title 1">
-            <a:extLst>
-              <a:ext uri="{FF2B5EF4-FFF2-40B4-BE49-F238E27FC236}">
-                <a16:creationId xmlns:a16="http://schemas.microsoft.com/office/drawing/2014/main" id="{2F9494F9-1050-4AFC-8008-245602822DE7}"/>
-              </a:ext>
-            </a:extLst>
-          </p:cNvPr>
-          <p:cNvSpPr>
-            <a:spLocks noGrp="1"/>
-          </p:cNvSpPr>
-          <p:nvPr>
-            <p:ph type="ctrTitle"/>
-          </p:nvPr>
-        </p:nvSpPr>
+      <p:pic>
+        <p:nvPicPr>
+          <p:cNvPr id="3" name="Graphic 2">
+            <a:extLst>
+              <a:ext uri="{FF2B5EF4-FFF2-40B4-BE49-F238E27FC236}">
+                <a16:creationId xmlns:a16="http://schemas.microsoft.com/office/drawing/2014/main" id="{3C1C1448-0D94-57E3-0DEC-5FEB35A369FD}"/>
+              </a:ext>
+            </a:extLst>
+          </p:cNvPr>
+          <p:cNvPicPr>
+            <a:picLocks noChangeAspect="1"/>
+          </p:cNvPicPr>
+          <p:nvPr/>
+        </p:nvPicPr>
+        <p:blipFill>
+          <a:blip r:embed="rId5">
+            <a:extLst>
+              <a:ext uri="{28A0092B-C50C-407E-A947-70E740481C1C}">
+                <a14:useLocalDpi xmlns:a14="http://schemas.microsoft.com/office/drawing/2010/main" val="0"/>
+              </a:ext>
+              <a:ext uri="{96DAC541-7B7A-43D3-8B79-37D633B846F1}">
+                <asvg:svgBlip xmlns:asvg="http://schemas.microsoft.com/office/drawing/2016/SVG/main" r:embed="rId6"/>
+              </a:ext>
+            </a:extLst>
+          </a:blip>
+          <a:stretch>
+            <a:fillRect/>
+          </a:stretch>
+        </p:blipFill>
         <p:spPr>
           <a:xfrm>
-            <a:off x="1782113" y="1021266"/>
-            <a:ext cx="6307358" cy="620864"/>
-          </a:xfrm>
-        </p:spPr>
-        <p:txBody>
-          <a:bodyPr>
+            <a:off x="9843428" y="41189"/>
+            <a:ext cx="1722496" cy="542636"/>
+          </a:xfrm>
+          <a:prstGeom prst="rect">
+            <a:avLst/>
+          </a:prstGeom>
+        </p:spPr>
+      </p:pic>
+      <p:sp>
+        <p:nvSpPr>
+          <p:cNvPr id="6" name="TextBox 5">
+            <a:extLst>
+              <a:ext uri="{FF2B5EF4-FFF2-40B4-BE49-F238E27FC236}">
+                <a16:creationId xmlns:a16="http://schemas.microsoft.com/office/drawing/2014/main" id="{237EF857-307A-4CA2-A252-18195EC8622B}"/>
+              </a:ext>
+            </a:extLst>
+          </p:cNvPr>
+          <p:cNvSpPr txBox="1"/>
+          <p:nvPr/>
+        </p:nvSpPr>
+        <p:spPr>
+          <a:xfrm>
+            <a:off x="958289" y="1979086"/>
+            <a:ext cx="10260317" cy="4113434"/>
+          </a:xfrm>
+          <a:prstGeom prst="rect">
+            <a:avLst/>
+          </a:prstGeom>
+          <a:noFill/>
+        </p:spPr>
+        <p:txBody>
+          <a:bodyPr wrap="square" rtlCol="0">
+            <a:spAutoFit/>
+          </a:bodyPr>
+          <a:lstStyle/>
+          <a:p>
+            <a:pPr marL="285750" indent="-285750">
+              <a:lnSpc>
+                <a:spcPct val="150000"/>
+              </a:lnSpc>
+              <a:buFont typeface="Arial" panose="020B0604020202020204" pitchFamily="34" charset="0"/>
+              <a:buChar char="•"/>
+            </a:pPr>
+            <a:r>
+              <a:rPr lang="pt-PT" sz="1600" b="1" dirty="0">
+                <a:latin typeface="Avenir Next LT Pro" panose="020B0504020202020204" pitchFamily="34" charset="0"/>
+              </a:rPr>
+              <a:t>Páginas estáticas:</a:t>
+            </a:r>
+          </a:p>
+          <a:p>
+            <a:pPr marL="742950" lvl="1" indent="-285750">
+              <a:lnSpc>
+                <a:spcPct val="150000"/>
+              </a:lnSpc>
+              <a:buFont typeface="Arial" panose="020B0604020202020204" pitchFamily="34" charset="0"/>
+              <a:buChar char="•"/>
+            </a:pPr>
+            <a:r>
+              <a:rPr lang="pt-PT" sz="1600" dirty="0">
+                <a:latin typeface="Avenir Next LT Pro" panose="020B0504020202020204" pitchFamily="34" charset="0"/>
+              </a:rPr>
+              <a:t>Os dados estão fixados no HTML quando a página carrega.</a:t>
+            </a:r>
+          </a:p>
+          <a:p>
+            <a:pPr marL="742950" lvl="1" indent="-285750">
+              <a:lnSpc>
+                <a:spcPct val="150000"/>
+              </a:lnSpc>
+              <a:buFont typeface="Arial" panose="020B0604020202020204" pitchFamily="34" charset="0"/>
+              <a:buChar char="•"/>
+            </a:pPr>
+            <a:r>
+              <a:rPr lang="pt-PT" sz="1600" dirty="0">
+                <a:latin typeface="Avenir Next LT Pro" panose="020B0504020202020204" pitchFamily="34" charset="0"/>
+              </a:rPr>
+              <a:t>Bibliotecas simples de “requests” podem ser usados  para extrair o HTML com os dados.</a:t>
+            </a:r>
+          </a:p>
+          <a:p>
+            <a:pPr lvl="1">
+              <a:lnSpc>
+                <a:spcPct val="150000"/>
+              </a:lnSpc>
+            </a:pPr>
+            <a:endParaRPr lang="pt-PT" sz="1600" dirty="0">
+              <a:latin typeface="Avenir Next LT Pro" panose="020B0504020202020204" pitchFamily="34" charset="0"/>
+            </a:endParaRPr>
+          </a:p>
+          <a:p>
+            <a:pPr marL="285750" indent="-285750">
+              <a:lnSpc>
+                <a:spcPct val="150000"/>
+              </a:lnSpc>
+              <a:buFont typeface="Arial" panose="020B0604020202020204" pitchFamily="34" charset="0"/>
+              <a:buChar char="•"/>
+            </a:pPr>
+            <a:r>
+              <a:rPr lang="pt-PT" sz="1600" b="1" dirty="0">
+                <a:latin typeface="Avenir Next LT Pro" panose="020B0504020202020204" pitchFamily="34" charset="0"/>
+              </a:rPr>
+              <a:t>Páginas dinâmicas:</a:t>
+            </a:r>
+          </a:p>
+          <a:p>
+            <a:pPr marL="742950" lvl="1" indent="-285750">
+              <a:lnSpc>
+                <a:spcPct val="150000"/>
+              </a:lnSpc>
+              <a:buFont typeface="Arial" panose="020B0604020202020204" pitchFamily="34" charset="0"/>
+              <a:buChar char="•"/>
+            </a:pPr>
+            <a:r>
+              <a:rPr lang="pt-PT" sz="1600" dirty="0">
+                <a:latin typeface="Avenir Next LT Pro" panose="020B0504020202020204" pitchFamily="34" charset="0"/>
+              </a:rPr>
+              <a:t>Só depois de carregado o HTML é este é populado com dados através de JavaScript.</a:t>
+            </a:r>
+          </a:p>
+          <a:p>
+            <a:pPr marL="742950" lvl="1" indent="-285750">
+              <a:lnSpc>
+                <a:spcPct val="150000"/>
+              </a:lnSpc>
+              <a:buFont typeface="Arial" panose="020B0604020202020204" pitchFamily="34" charset="0"/>
+              <a:buChar char="•"/>
+            </a:pPr>
+            <a:r>
+              <a:rPr lang="pt-PT" sz="1600" dirty="0">
+                <a:latin typeface="Avenir Next LT Pro" panose="020B0504020202020204" pitchFamily="34" charset="0"/>
+              </a:rPr>
+              <a:t>Usando bibliotecas simples de “requests”, geralmente são retornados páginas vazias.</a:t>
+            </a:r>
+          </a:p>
+          <a:p>
+            <a:pPr marL="742950" lvl="1" indent="-285750">
+              <a:lnSpc>
+                <a:spcPct val="150000"/>
+              </a:lnSpc>
+              <a:buFont typeface="Arial" panose="020B0604020202020204" pitchFamily="34" charset="0"/>
+              <a:buChar char="•"/>
+            </a:pPr>
+            <a:r>
+              <a:rPr lang="pt-PT" sz="1600" dirty="0">
+                <a:latin typeface="Avenir Next LT Pro" panose="020B0504020202020204" pitchFamily="34" charset="0"/>
+              </a:rPr>
+              <a:t>Usa-se módulo Selenium para simular a execução da página e do JavaScript que popula o HTML.</a:t>
+            </a:r>
+          </a:p>
+          <a:p>
+            <a:pPr lvl="1">
+              <a:lnSpc>
+                <a:spcPct val="150000"/>
+              </a:lnSpc>
+            </a:pPr>
+            <a:endParaRPr lang="pt-PT" sz="1600" dirty="0">
+              <a:latin typeface="Avenir Next LT Pro" panose="020B0504020202020204" pitchFamily="34" charset="0"/>
+            </a:endParaRPr>
+          </a:p>
+          <a:p>
+            <a:pPr marL="285750" indent="-285750">
+              <a:lnSpc>
+                <a:spcPct val="150000"/>
+              </a:lnSpc>
+              <a:buFont typeface="Arial" panose="020B0604020202020204" pitchFamily="34" charset="0"/>
+              <a:buChar char="•"/>
+            </a:pPr>
+            <a:r>
+              <a:rPr lang="pt-PT" sz="1600" dirty="0">
+                <a:latin typeface="Avenir Next LT Pro" panose="020B0504020202020204" pitchFamily="34" charset="0"/>
+              </a:rPr>
+              <a:t>Usar browser para inspecionar HTML da página</a:t>
+            </a:r>
+          </a:p>
+          <a:p>
+            <a:pPr marL="285750" indent="-285750">
+              <a:lnSpc>
+                <a:spcPct val="150000"/>
+              </a:lnSpc>
+              <a:buFont typeface="Arial" panose="020B0604020202020204" pitchFamily="34" charset="0"/>
+              <a:buChar char="•"/>
+            </a:pPr>
+            <a:endParaRPr lang="pt-PT" sz="1600" dirty="0">
+              <a:latin typeface="Avenir Next LT Pro" panose="020B0504020202020204" pitchFamily="34" charset="0"/>
+            </a:endParaRPr>
+          </a:p>
+        </p:txBody>
+      </p:sp>
+      <p:sp>
+        <p:nvSpPr>
+          <p:cNvPr id="7" name="Title 1">
+            <a:extLst>
+              <a:ext uri="{FF2B5EF4-FFF2-40B4-BE49-F238E27FC236}">
+                <a16:creationId xmlns:a16="http://schemas.microsoft.com/office/drawing/2014/main" id="{9A2D8599-4F54-029B-34D2-BD6D438949D8}"/>
+              </a:ext>
+            </a:extLst>
+          </p:cNvPr>
+          <p:cNvSpPr txBox="1">
+            <a:spLocks/>
+          </p:cNvSpPr>
+          <p:nvPr/>
+        </p:nvSpPr>
+        <p:spPr>
+          <a:xfrm>
+            <a:off x="958289" y="961770"/>
+            <a:ext cx="9286924" cy="620864"/>
+          </a:xfrm>
+          <a:prstGeom prst="rect">
+            <a:avLst/>
+          </a:prstGeom>
+        </p:spPr>
+        <p:txBody>
+          <a:bodyPr vert="horz" lIns="91440" tIns="45720" rIns="91440" bIns="45720" rtlCol="0" anchor="b">
             <a:noAutofit/>
           </a:bodyPr>
-          <a:lstStyle/>
+          <a:lstStyle>
+            <a:lvl1pPr algn="ctr" defTabSz="914400" rtl="0" eaLnBrk="1" latinLnBrk="0" hangingPunct="1">
+              <a:lnSpc>
+                <a:spcPct val="90000"/>
+              </a:lnSpc>
+              <a:spcBef>
+                <a:spcPct val="0"/>
+              </a:spcBef>
+              <a:buNone/>
+              <a:defRPr sz="6000" kern="1200">
+                <a:solidFill>
+                  <a:schemeClr val="tx1"/>
+                </a:solidFill>
+                <a:latin typeface="+mj-lt"/>
+                <a:ea typeface="+mj-ea"/>
+                <a:cs typeface="+mj-cs"/>
+              </a:defRPr>
+            </a:lvl1pPr>
+          </a:lstStyle>
           <a:p>
             <a:pPr algn="l"/>
             <a:r>
               <a:rPr lang="pt-PT" sz="2800" dirty="0">
                 <a:latin typeface="Avenir Next LT Pro Demi" panose="020B0704020202020204" pitchFamily="34" charset="0"/>
               </a:rPr>
-              <a:t>References</a:t>
+              <a:t>Usar python para extrair HTML de páginas web</a:t>
             </a:r>
           </a:p>
         </p:txBody>
       </p:sp>
       <p:cxnSp>
         <p:nvCxnSpPr>
-          <p:cNvPr id="15" name="Straight Connector 14">
-            <a:extLst>
-              <a:ext uri="{FF2B5EF4-FFF2-40B4-BE49-F238E27FC236}">
-                <a16:creationId xmlns:a16="http://schemas.microsoft.com/office/drawing/2014/main" id="{8112D045-3F2A-49CA-B86E-0EBDB965A1C9}"/>
+          <p:cNvPr id="8" name="Straight Connector 7">
+            <a:extLst>
+              <a:ext uri="{FF2B5EF4-FFF2-40B4-BE49-F238E27FC236}">
+                <a16:creationId xmlns:a16="http://schemas.microsoft.com/office/drawing/2014/main" id="{F6613922-50E3-AE65-43C9-1231FB856137}"/>
               </a:ext>
             </a:extLst>
           </p:cNvPr>
@@ -5143,7 +5494,7 @@
         </p:nvCxnSpPr>
         <p:spPr>
           <a:xfrm>
-            <a:off x="1890518" y="1642130"/>
+            <a:off x="1066694" y="1582634"/>
             <a:ext cx="533483" cy="0"/>
           </a:xfrm>
           <a:prstGeom prst="line">
@@ -5170,12 +5521,343 @@
           </a:fontRef>
         </p:style>
       </p:cxnSp>
-      <p:sp>
-        <p:nvSpPr>
-          <p:cNvPr id="16" name="Content Placeholder 2">
-            <a:extLst>
-              <a:ext uri="{FF2B5EF4-FFF2-40B4-BE49-F238E27FC236}">
-                <a16:creationId xmlns:a16="http://schemas.microsoft.com/office/drawing/2014/main" id="{D88A20F4-BB82-4585-BA98-976658D46D2F}"/>
+    </p:spTree>
+    <p:extLst>
+      <p:ext uri="{BB962C8B-B14F-4D97-AF65-F5344CB8AC3E}">
+        <p14:creationId xmlns:p14="http://schemas.microsoft.com/office/powerpoint/2010/main" val="3008831676"/>
+      </p:ext>
+    </p:extLst>
+  </p:cSld>
+  <p:clrMapOvr>
+    <a:masterClrMapping/>
+  </p:clrMapOvr>
+</p:sld>
+</file>
+
+<file path=ppt/slides/slide5.xml><?xml version="1.0" encoding="utf-8"?>
+<p:sld xmlns:a="http://schemas.openxmlformats.org/drawingml/2006/main" xmlns:r="http://schemas.openxmlformats.org/officeDocument/2006/relationships" xmlns:p="http://schemas.openxmlformats.org/presentationml/2006/main">
+  <p:cSld>
+    <p:spTree>
+      <p:nvGrpSpPr>
+        <p:cNvPr id="1" name=""/>
+        <p:cNvGrpSpPr/>
+        <p:nvPr/>
+      </p:nvGrpSpPr>
+      <p:grpSpPr>
+        <a:xfrm>
+          <a:off x="0" y="0"/>
+          <a:ext cx="0" cy="0"/>
+          <a:chOff x="0" y="0"/>
+          <a:chExt cx="0" cy="0"/>
+        </a:xfrm>
+      </p:grpSpPr>
+      <p:pic>
+        <p:nvPicPr>
+          <p:cNvPr id="19" name="Graphic 18">
+            <a:extLst>
+              <a:ext uri="{FF2B5EF4-FFF2-40B4-BE49-F238E27FC236}">
+                <a16:creationId xmlns:a16="http://schemas.microsoft.com/office/drawing/2014/main" id="{5178CEAE-CE17-4300-B1C9-B1BA2DDA1F1D}"/>
+              </a:ext>
+            </a:extLst>
+          </p:cNvPr>
+          <p:cNvPicPr>
+            <a:picLocks noChangeAspect="1"/>
+          </p:cNvPicPr>
+          <p:nvPr/>
+        </p:nvPicPr>
+        <p:blipFill>
+          <a:blip r:embed="rId2">
+            <a:extLst>
+              <a:ext uri="{96DAC541-7B7A-43D3-8B79-37D633B846F1}">
+                <asvg:svgBlip xmlns:asvg="http://schemas.microsoft.com/office/drawing/2016/SVG/main" r:embed="rId3"/>
+              </a:ext>
+            </a:extLst>
+          </a:blip>
+          <a:stretch>
+            <a:fillRect/>
+          </a:stretch>
+        </p:blipFill>
+        <p:spPr>
+          <a:xfrm flipH="1">
+            <a:off x="9934241" y="5213115"/>
+            <a:ext cx="2263775" cy="1711061"/>
+          </a:xfrm>
+          <a:prstGeom prst="rect">
+            <a:avLst/>
+          </a:prstGeom>
+        </p:spPr>
+      </p:pic>
+      <p:sp>
+        <p:nvSpPr>
+          <p:cNvPr id="10" name="Rectangle 9">
+            <a:extLst>
+              <a:ext uri="{FF2B5EF4-FFF2-40B4-BE49-F238E27FC236}">
+                <a16:creationId xmlns:a16="http://schemas.microsoft.com/office/drawing/2014/main" id="{5E733C67-BBF0-4646-B263-B150A3449546}"/>
+              </a:ext>
+            </a:extLst>
+          </p:cNvPr>
+          <p:cNvSpPr/>
+          <p:nvPr/>
+        </p:nvSpPr>
+        <p:spPr>
+          <a:xfrm>
+            <a:off x="0" y="-27643"/>
+            <a:ext cx="12192000" cy="693290"/>
+          </a:xfrm>
+          <a:prstGeom prst="rect">
+            <a:avLst/>
+          </a:prstGeom>
+          <a:solidFill>
+            <a:srgbClr val="0E64A0"/>
+          </a:solidFill>
+          <a:ln>
+            <a:noFill/>
+          </a:ln>
+        </p:spPr>
+        <p:style>
+          <a:lnRef idx="2">
+            <a:schemeClr val="accent1">
+              <a:shade val="50000"/>
+            </a:schemeClr>
+          </a:lnRef>
+          <a:fillRef idx="1">
+            <a:schemeClr val="accent1"/>
+          </a:fillRef>
+          <a:effectRef idx="0">
+            <a:schemeClr val="accent1"/>
+          </a:effectRef>
+          <a:fontRef idx="minor">
+            <a:schemeClr val="lt1"/>
+          </a:fontRef>
+        </p:style>
+        <p:txBody>
+          <a:bodyPr rtlCol="0" anchor="ctr"/>
+          <a:lstStyle/>
+          <a:p>
+            <a:pPr algn="ctr"/>
+            <a:endParaRPr lang="en-US" dirty="0"/>
+          </a:p>
+        </p:txBody>
+      </p:sp>
+      <p:pic>
+        <p:nvPicPr>
+          <p:cNvPr id="14" name="Picture 13">
+            <a:extLst>
+              <a:ext uri="{FF2B5EF4-FFF2-40B4-BE49-F238E27FC236}">
+                <a16:creationId xmlns:a16="http://schemas.microsoft.com/office/drawing/2014/main" id="{8DF5C5E5-925B-4F9F-A345-6B929E3CD100}"/>
+              </a:ext>
+            </a:extLst>
+          </p:cNvPr>
+          <p:cNvPicPr>
+            <a:picLocks noChangeAspect="1"/>
+          </p:cNvPicPr>
+          <p:nvPr/>
+        </p:nvPicPr>
+        <p:blipFill>
+          <a:blip r:embed="rId4">
+            <a:extLst>
+              <a:ext uri="{28A0092B-C50C-407E-A947-70E740481C1C}">
+                <a14:useLocalDpi xmlns:a14="http://schemas.microsoft.com/office/drawing/2010/main"/>
+              </a:ext>
+            </a:extLst>
+          </a:blip>
+          <a:stretch>
+            <a:fillRect/>
+          </a:stretch>
+        </p:blipFill>
+        <p:spPr>
+          <a:xfrm>
+            <a:off x="164706" y="155179"/>
+            <a:ext cx="2777615" cy="303634"/>
+          </a:xfrm>
+          <a:prstGeom prst="rect">
+            <a:avLst/>
+          </a:prstGeom>
+        </p:spPr>
+      </p:pic>
+      <p:pic>
+        <p:nvPicPr>
+          <p:cNvPr id="3" name="Graphic 2">
+            <a:extLst>
+              <a:ext uri="{FF2B5EF4-FFF2-40B4-BE49-F238E27FC236}">
+                <a16:creationId xmlns:a16="http://schemas.microsoft.com/office/drawing/2014/main" id="{3C1C1448-0D94-57E3-0DEC-5FEB35A369FD}"/>
+              </a:ext>
+            </a:extLst>
+          </p:cNvPr>
+          <p:cNvPicPr>
+            <a:picLocks noChangeAspect="1"/>
+          </p:cNvPicPr>
+          <p:nvPr/>
+        </p:nvPicPr>
+        <p:blipFill>
+          <a:blip r:embed="rId5">
+            <a:extLst>
+              <a:ext uri="{28A0092B-C50C-407E-A947-70E740481C1C}">
+                <a14:useLocalDpi xmlns:a14="http://schemas.microsoft.com/office/drawing/2010/main" val="0"/>
+              </a:ext>
+              <a:ext uri="{96DAC541-7B7A-43D3-8B79-37D633B846F1}">
+                <asvg:svgBlip xmlns:asvg="http://schemas.microsoft.com/office/drawing/2016/SVG/main" r:embed="rId6"/>
+              </a:ext>
+            </a:extLst>
+          </a:blip>
+          <a:stretch>
+            <a:fillRect/>
+          </a:stretch>
+        </p:blipFill>
+        <p:spPr>
+          <a:xfrm>
+            <a:off x="9843428" y="41189"/>
+            <a:ext cx="1722496" cy="542636"/>
+          </a:xfrm>
+          <a:prstGeom prst="rect">
+            <a:avLst/>
+          </a:prstGeom>
+        </p:spPr>
+      </p:pic>
+      <p:sp>
+        <p:nvSpPr>
+          <p:cNvPr id="6" name="TextBox 5">
+            <a:extLst>
+              <a:ext uri="{FF2B5EF4-FFF2-40B4-BE49-F238E27FC236}">
+                <a16:creationId xmlns:a16="http://schemas.microsoft.com/office/drawing/2014/main" id="{237EF857-307A-4CA2-A252-18195EC8622B}"/>
+              </a:ext>
+            </a:extLst>
+          </p:cNvPr>
+          <p:cNvSpPr txBox="1"/>
+          <p:nvPr/>
+        </p:nvSpPr>
+        <p:spPr>
+          <a:xfrm>
+            <a:off x="958289" y="1979086"/>
+            <a:ext cx="10260317" cy="3744102"/>
+          </a:xfrm>
+          <a:prstGeom prst="rect">
+            <a:avLst/>
+          </a:prstGeom>
+          <a:noFill/>
+        </p:spPr>
+        <p:txBody>
+          <a:bodyPr wrap="square" rtlCol="0">
+            <a:spAutoFit/>
+          </a:bodyPr>
+          <a:lstStyle/>
+          <a:p>
+            <a:pPr>
+              <a:lnSpc>
+                <a:spcPct val="150000"/>
+              </a:lnSpc>
+            </a:pPr>
+            <a:r>
+              <a:rPr lang="pt-PT" sz="1600" dirty="0">
+                <a:latin typeface="Avenir Next LT Pro" panose="020B0504020202020204" pitchFamily="34" charset="0"/>
+              </a:rPr>
+              <a:t>Desafio:</a:t>
+            </a:r>
+          </a:p>
+          <a:p>
+            <a:pPr>
+              <a:lnSpc>
+                <a:spcPct val="150000"/>
+              </a:lnSpc>
+            </a:pPr>
+            <a:r>
+              <a:rPr lang="pt-PT" sz="1600" dirty="0">
+                <a:latin typeface="Avenir Next LT Pro" panose="020B0504020202020204" pitchFamily="34" charset="0"/>
+              </a:rPr>
+              <a:t>Perceber qual o indicador estatísco, das equipas da fase de grupos da liga dos campeões, que está mais fortemente correlacionado com o número de golos marcados.</a:t>
+            </a:r>
+          </a:p>
+          <a:p>
+            <a:pPr>
+              <a:lnSpc>
+                <a:spcPct val="150000"/>
+              </a:lnSpc>
+            </a:pPr>
+            <a:endParaRPr lang="pt-PT" sz="1600" dirty="0">
+              <a:latin typeface="Avenir Next LT Pro" panose="020B0504020202020204" pitchFamily="34" charset="0"/>
+            </a:endParaRPr>
+          </a:p>
+          <a:p>
+            <a:pPr>
+              <a:lnSpc>
+                <a:spcPct val="150000"/>
+              </a:lnSpc>
+            </a:pPr>
+            <a:r>
+              <a:rPr lang="pt-PT" sz="1600" dirty="0">
+                <a:latin typeface="Avenir Next LT Pro" panose="020B0504020202020204" pitchFamily="34" charset="0"/>
+              </a:rPr>
+              <a:t>Passos de resolução:</a:t>
+            </a:r>
+          </a:p>
+          <a:p>
+            <a:pPr marL="800100" lvl="1" indent="-342900">
+              <a:lnSpc>
+                <a:spcPct val="150000"/>
+              </a:lnSpc>
+              <a:buFont typeface="+mj-lt"/>
+              <a:buAutoNum type="arabicPeriod"/>
+            </a:pPr>
+            <a:r>
+              <a:rPr lang="pt-PT" sz="1600" dirty="0">
+                <a:latin typeface="Avenir Next LT Pro" panose="020B0504020202020204" pitchFamily="34" charset="0"/>
+              </a:rPr>
+              <a:t>Encontrar uma fonte de dados adequada.</a:t>
+            </a:r>
+          </a:p>
+          <a:p>
+            <a:pPr marL="800100" lvl="1" indent="-342900">
+              <a:lnSpc>
+                <a:spcPct val="150000"/>
+              </a:lnSpc>
+              <a:buFont typeface="+mj-lt"/>
+              <a:buAutoNum type="arabicPeriod"/>
+            </a:pPr>
+            <a:r>
+              <a:rPr lang="pt-PT" sz="1600" dirty="0">
+                <a:latin typeface="Avenir Next LT Pro" panose="020B0504020202020204" pitchFamily="34" charset="0"/>
+              </a:rPr>
+              <a:t>Perceber se a página web é estática ou dinâmica.</a:t>
+            </a:r>
+          </a:p>
+          <a:p>
+            <a:pPr marL="800100" lvl="1" indent="-342900">
+              <a:lnSpc>
+                <a:spcPct val="150000"/>
+              </a:lnSpc>
+              <a:buFont typeface="+mj-lt"/>
+              <a:buAutoNum type="arabicPeriod"/>
+            </a:pPr>
+            <a:r>
+              <a:rPr lang="pt-PT" sz="1600" dirty="0">
+                <a:latin typeface="Avenir Next LT Pro" panose="020B0504020202020204" pitchFamily="34" charset="0"/>
+              </a:rPr>
+              <a:t>Se os dados estiverem espalhados por múltiplas páginas, encontrar padrões de navegação que permitam automatizar o processo de carregamento das páginas.</a:t>
+            </a:r>
+          </a:p>
+          <a:p>
+            <a:pPr marL="800100" lvl="1" indent="-342900">
+              <a:lnSpc>
+                <a:spcPct val="150000"/>
+              </a:lnSpc>
+              <a:buFont typeface="+mj-lt"/>
+              <a:buAutoNum type="arabicPeriod"/>
+            </a:pPr>
+            <a:r>
+              <a:rPr lang="pt-PT" sz="1600" dirty="0">
+                <a:latin typeface="Avenir Next LT Pro" panose="020B0504020202020204" pitchFamily="34" charset="0"/>
+              </a:rPr>
+              <a:t>Desenvolver o código que permite estrair os indicadores estatísticos.</a:t>
+            </a:r>
+          </a:p>
+        </p:txBody>
+      </p:sp>
+      <p:sp>
+        <p:nvSpPr>
+          <p:cNvPr id="7" name="Title 1">
+            <a:extLst>
+              <a:ext uri="{FF2B5EF4-FFF2-40B4-BE49-F238E27FC236}">
+                <a16:creationId xmlns:a16="http://schemas.microsoft.com/office/drawing/2014/main" id="{9A2D8599-4F54-029B-34D2-BD6D438949D8}"/>
               </a:ext>
             </a:extLst>
           </p:cNvPr>
@@ -5186,7 +5868,261 @@
         </p:nvSpPr>
         <p:spPr>
           <a:xfrm>
-            <a:off x="876149" y="1705232"/>
+            <a:off x="958289" y="961770"/>
+            <a:ext cx="9286924" cy="620864"/>
+          </a:xfrm>
+          <a:prstGeom prst="rect">
+            <a:avLst/>
+          </a:prstGeom>
+        </p:spPr>
+        <p:txBody>
+          <a:bodyPr vert="horz" lIns="91440" tIns="45720" rIns="91440" bIns="45720" rtlCol="0" anchor="b">
+            <a:noAutofit/>
+          </a:bodyPr>
+          <a:lstStyle>
+            <a:lvl1pPr algn="ctr" defTabSz="914400" rtl="0" eaLnBrk="1" latinLnBrk="0" hangingPunct="1">
+              <a:lnSpc>
+                <a:spcPct val="90000"/>
+              </a:lnSpc>
+              <a:spcBef>
+                <a:spcPct val="0"/>
+              </a:spcBef>
+              <a:buNone/>
+              <a:defRPr sz="6000" kern="1200">
+                <a:solidFill>
+                  <a:schemeClr val="tx1"/>
+                </a:solidFill>
+                <a:latin typeface="+mj-lt"/>
+                <a:ea typeface="+mj-ea"/>
+                <a:cs typeface="+mj-cs"/>
+              </a:defRPr>
+            </a:lvl1pPr>
+          </a:lstStyle>
+          <a:p>
+            <a:pPr algn="l"/>
+            <a:r>
+              <a:rPr lang="pt-PT" sz="2800" dirty="0">
+                <a:latin typeface="Avenir Next LT Pro Demi" panose="020B0704020202020204" pitchFamily="34" charset="0"/>
+              </a:rPr>
+              <a:t>Caso de Estudo</a:t>
+            </a:r>
+          </a:p>
+        </p:txBody>
+      </p:sp>
+      <p:cxnSp>
+        <p:nvCxnSpPr>
+          <p:cNvPr id="8" name="Straight Connector 7">
+            <a:extLst>
+              <a:ext uri="{FF2B5EF4-FFF2-40B4-BE49-F238E27FC236}">
+                <a16:creationId xmlns:a16="http://schemas.microsoft.com/office/drawing/2014/main" id="{F6613922-50E3-AE65-43C9-1231FB856137}"/>
+              </a:ext>
+            </a:extLst>
+          </p:cNvPr>
+          <p:cNvCxnSpPr>
+            <a:cxnSpLocks/>
+          </p:cNvCxnSpPr>
+          <p:nvPr/>
+        </p:nvCxnSpPr>
+        <p:spPr>
+          <a:xfrm>
+            <a:off x="1066694" y="1582634"/>
+            <a:ext cx="533483" cy="0"/>
+          </a:xfrm>
+          <a:prstGeom prst="line">
+            <a:avLst/>
+          </a:prstGeom>
+          <a:ln w="38100">
+            <a:solidFill>
+              <a:schemeClr val="tx1"/>
+            </a:solidFill>
+          </a:ln>
+        </p:spPr>
+        <p:style>
+          <a:lnRef idx="1">
+            <a:schemeClr val="accent1"/>
+          </a:lnRef>
+          <a:fillRef idx="0">
+            <a:schemeClr val="accent1"/>
+          </a:fillRef>
+          <a:effectRef idx="0">
+            <a:schemeClr val="accent1"/>
+          </a:effectRef>
+          <a:fontRef idx="minor">
+            <a:schemeClr val="tx1"/>
+          </a:fontRef>
+        </p:style>
+      </p:cxnSp>
+    </p:spTree>
+    <p:extLst>
+      <p:ext uri="{BB962C8B-B14F-4D97-AF65-F5344CB8AC3E}">
+        <p14:creationId xmlns:p14="http://schemas.microsoft.com/office/powerpoint/2010/main" val="4183621293"/>
+      </p:ext>
+    </p:extLst>
+  </p:cSld>
+  <p:clrMapOvr>
+    <a:masterClrMapping/>
+  </p:clrMapOvr>
+</p:sld>
+</file>
+
+<file path=ppt/slides/slide6.xml><?xml version="1.0" encoding="utf-8"?>
+<p:sld xmlns:a="http://schemas.openxmlformats.org/drawingml/2006/main" xmlns:r="http://schemas.openxmlformats.org/officeDocument/2006/relationships" xmlns:p="http://schemas.openxmlformats.org/presentationml/2006/main">
+  <p:cSld>
+    <p:spTree>
+      <p:nvGrpSpPr>
+        <p:cNvPr id="1" name=""/>
+        <p:cNvGrpSpPr/>
+        <p:nvPr/>
+      </p:nvGrpSpPr>
+      <p:grpSpPr>
+        <a:xfrm>
+          <a:off x="0" y="0"/>
+          <a:ext cx="0" cy="0"/>
+          <a:chOff x="0" y="0"/>
+          <a:chExt cx="0" cy="0"/>
+        </a:xfrm>
+      </p:grpSpPr>
+      <p:pic>
+        <p:nvPicPr>
+          <p:cNvPr id="19" name="Graphic 18">
+            <a:extLst>
+              <a:ext uri="{FF2B5EF4-FFF2-40B4-BE49-F238E27FC236}">
+                <a16:creationId xmlns:a16="http://schemas.microsoft.com/office/drawing/2014/main" id="{5178CEAE-CE17-4300-B1C9-B1BA2DDA1F1D}"/>
+              </a:ext>
+            </a:extLst>
+          </p:cNvPr>
+          <p:cNvPicPr>
+            <a:picLocks noChangeAspect="1"/>
+          </p:cNvPicPr>
+          <p:nvPr/>
+        </p:nvPicPr>
+        <p:blipFill>
+          <a:blip r:embed="rId2">
+            <a:extLst>
+              <a:ext uri="{96DAC541-7B7A-43D3-8B79-37D633B846F1}">
+                <asvg:svgBlip xmlns:asvg="http://schemas.microsoft.com/office/drawing/2016/SVG/main" r:embed="rId3"/>
+              </a:ext>
+            </a:extLst>
+          </a:blip>
+          <a:stretch>
+            <a:fillRect/>
+          </a:stretch>
+        </p:blipFill>
+        <p:spPr>
+          <a:xfrm flipH="1">
+            <a:off x="9934241" y="5213115"/>
+            <a:ext cx="2263775" cy="1711061"/>
+          </a:xfrm>
+          <a:prstGeom prst="rect">
+            <a:avLst/>
+          </a:prstGeom>
+        </p:spPr>
+      </p:pic>
+      <p:sp>
+        <p:nvSpPr>
+          <p:cNvPr id="10" name="Rectangle 9">
+            <a:extLst>
+              <a:ext uri="{FF2B5EF4-FFF2-40B4-BE49-F238E27FC236}">
+                <a16:creationId xmlns:a16="http://schemas.microsoft.com/office/drawing/2014/main" id="{5E733C67-BBF0-4646-B263-B150A3449546}"/>
+              </a:ext>
+            </a:extLst>
+          </p:cNvPr>
+          <p:cNvSpPr/>
+          <p:nvPr/>
+        </p:nvSpPr>
+        <p:spPr>
+          <a:xfrm>
+            <a:off x="0" y="-27643"/>
+            <a:ext cx="12192000" cy="693290"/>
+          </a:xfrm>
+          <a:prstGeom prst="rect">
+            <a:avLst/>
+          </a:prstGeom>
+          <a:solidFill>
+            <a:srgbClr val="0E64A0"/>
+          </a:solidFill>
+          <a:ln>
+            <a:noFill/>
+          </a:ln>
+        </p:spPr>
+        <p:style>
+          <a:lnRef idx="2">
+            <a:schemeClr val="accent1">
+              <a:shade val="50000"/>
+            </a:schemeClr>
+          </a:lnRef>
+          <a:fillRef idx="1">
+            <a:schemeClr val="accent1"/>
+          </a:fillRef>
+          <a:effectRef idx="0">
+            <a:schemeClr val="accent1"/>
+          </a:effectRef>
+          <a:fontRef idx="minor">
+            <a:schemeClr val="lt1"/>
+          </a:fontRef>
+        </p:style>
+        <p:txBody>
+          <a:bodyPr rtlCol="0" anchor="ctr"/>
+          <a:lstStyle/>
+          <a:p>
+            <a:pPr algn="ctr"/>
+            <a:endParaRPr lang="en-US" dirty="0"/>
+          </a:p>
+        </p:txBody>
+      </p:sp>
+      <p:pic>
+        <p:nvPicPr>
+          <p:cNvPr id="14" name="Picture 13">
+            <a:extLst>
+              <a:ext uri="{FF2B5EF4-FFF2-40B4-BE49-F238E27FC236}">
+                <a16:creationId xmlns:a16="http://schemas.microsoft.com/office/drawing/2014/main" id="{8DF5C5E5-925B-4F9F-A345-6B929E3CD100}"/>
+              </a:ext>
+            </a:extLst>
+          </p:cNvPr>
+          <p:cNvPicPr>
+            <a:picLocks noChangeAspect="1"/>
+          </p:cNvPicPr>
+          <p:nvPr/>
+        </p:nvPicPr>
+        <p:blipFill>
+          <a:blip r:embed="rId4">
+            <a:extLst>
+              <a:ext uri="{28A0092B-C50C-407E-A947-70E740481C1C}">
+                <a14:useLocalDpi xmlns:a14="http://schemas.microsoft.com/office/drawing/2010/main"/>
+              </a:ext>
+            </a:extLst>
+          </a:blip>
+          <a:stretch>
+            <a:fillRect/>
+          </a:stretch>
+        </p:blipFill>
+        <p:spPr>
+          <a:xfrm>
+            <a:off x="164706" y="155179"/>
+            <a:ext cx="2777615" cy="303634"/>
+          </a:xfrm>
+          <a:prstGeom prst="rect">
+            <a:avLst/>
+          </a:prstGeom>
+        </p:spPr>
+      </p:pic>
+      <p:sp>
+        <p:nvSpPr>
+          <p:cNvPr id="16" name="Content Placeholder 2">
+            <a:extLst>
+              <a:ext uri="{FF2B5EF4-FFF2-40B4-BE49-F238E27FC236}">
+                <a16:creationId xmlns:a16="http://schemas.microsoft.com/office/drawing/2014/main" id="{D88A20F4-BB82-4585-BA98-976658D46D2F}"/>
+              </a:ext>
+            </a:extLst>
+          </p:cNvPr>
+          <p:cNvSpPr txBox="1">
+            <a:spLocks/>
+          </p:cNvSpPr>
+          <p:nvPr/>
+        </p:nvSpPr>
+        <p:spPr>
+          <a:xfrm>
+            <a:off x="958289" y="1705232"/>
             <a:ext cx="10078116" cy="4750451"/>
           </a:xfrm>
           <a:prstGeom prst="rect">
@@ -5397,8 +6333,15 @@
             <a:r>
               <a:rPr lang="pt-PT" sz="1600" dirty="0">
                 <a:latin typeface="Avenir Next LT Pro" panose="020B0504020202020204" pitchFamily="34" charset="0"/>
+                <a:hlinkClick r:id="rId5"/>
               </a:rPr>
-              <a:t>a</a:t>
+              <a:t>https://github.com/AndreSensaway/fpf-datathon-workshop-webscrapping</a:t>
+            </a:r>
+            <a:r>
+              <a:rPr lang="pt-PT" sz="1600" dirty="0">
+                <a:latin typeface="Avenir Next LT Pro" panose="020B0504020202020204" pitchFamily="34" charset="0"/>
+              </a:rPr>
+              <a:t> </a:t>
             </a:r>
           </a:p>
           <a:p>
@@ -5427,7 +6370,7 @@
             <a:r>
               <a:rPr lang="pt-PT" sz="1600" dirty="0">
                 <a:latin typeface="Avenir Next LT Pro" panose="020B0504020202020204" pitchFamily="34" charset="0"/>
-                <a:hlinkClick r:id="rId5"/>
+                <a:hlinkClick r:id="rId6"/>
               </a:rPr>
               <a:t>https://www.crummy.com/software/BeautifulSoup/bs4/doc/</a:t>
             </a:r>
@@ -5464,7 +6407,7 @@
             <a:r>
               <a:rPr lang="pt-PT" sz="1600" dirty="0">
                 <a:latin typeface="Avenir Next LT Pro" panose="020B0504020202020204" pitchFamily="34" charset="0"/>
-                <a:hlinkClick r:id="rId6"/>
+                <a:hlinkClick r:id="rId7"/>
               </a:rPr>
               <a:t>https://docs.python.org/3/library/re.html</a:t>
             </a:r>
@@ -5501,7 +6444,7 @@
             <a:r>
               <a:rPr lang="pt-PT" sz="1600" dirty="0">
                 <a:latin typeface="Avenir Next LT Pro" panose="020B0504020202020204" pitchFamily="34" charset="0"/>
-                <a:hlinkClick r:id="rId7"/>
+                <a:hlinkClick r:id="rId8"/>
               </a:rPr>
               <a:t>https://medium.com/ymedialabs-innovation/web-scraping-using-beautiful-soup-and-selenium-for-dynamic-page-2f8ad15efe25</a:t>
             </a:r>
@@ -5551,13 +6494,13 @@
           <p:nvPr/>
         </p:nvPicPr>
         <p:blipFill>
-          <a:blip r:embed="rId8">
+          <a:blip r:embed="rId9">
             <a:extLst>
               <a:ext uri="{28A0092B-C50C-407E-A947-70E740481C1C}">
                 <a14:useLocalDpi xmlns:a14="http://schemas.microsoft.com/office/drawing/2010/main" val="0"/>
               </a:ext>
               <a:ext uri="{96DAC541-7B7A-43D3-8B79-37D633B846F1}">
-                <asvg:svgBlip xmlns:asvg="http://schemas.microsoft.com/office/drawing/2016/SVG/main" r:embed="rId9"/>
+                <asvg:svgBlip xmlns:asvg="http://schemas.microsoft.com/office/drawing/2016/SVG/main" r:embed="rId10"/>
               </a:ext>
             </a:extLst>
           </a:blip>
@@ -5575,6 +6518,106 @@
           </a:prstGeom>
         </p:spPr>
       </p:pic>
+      <p:sp>
+        <p:nvSpPr>
+          <p:cNvPr id="5" name="Title 1">
+            <a:extLst>
+              <a:ext uri="{FF2B5EF4-FFF2-40B4-BE49-F238E27FC236}">
+                <a16:creationId xmlns:a16="http://schemas.microsoft.com/office/drawing/2014/main" id="{86EC7FCA-224C-9506-D2E9-719F4A5F34E2}"/>
+              </a:ext>
+            </a:extLst>
+          </p:cNvPr>
+          <p:cNvSpPr txBox="1">
+            <a:spLocks/>
+          </p:cNvSpPr>
+          <p:nvPr/>
+        </p:nvSpPr>
+        <p:spPr>
+          <a:xfrm>
+            <a:off x="958289" y="961770"/>
+            <a:ext cx="6307358" cy="620864"/>
+          </a:xfrm>
+          <a:prstGeom prst="rect">
+            <a:avLst/>
+          </a:prstGeom>
+        </p:spPr>
+        <p:txBody>
+          <a:bodyPr vert="horz" lIns="91440" tIns="45720" rIns="91440" bIns="45720" rtlCol="0" anchor="b">
+            <a:noAutofit/>
+          </a:bodyPr>
+          <a:lstStyle>
+            <a:lvl1pPr algn="ctr" defTabSz="914400" rtl="0" eaLnBrk="1" latinLnBrk="0" hangingPunct="1">
+              <a:lnSpc>
+                <a:spcPct val="90000"/>
+              </a:lnSpc>
+              <a:spcBef>
+                <a:spcPct val="0"/>
+              </a:spcBef>
+              <a:buNone/>
+              <a:defRPr sz="6000" kern="1200">
+                <a:solidFill>
+                  <a:schemeClr val="tx1"/>
+                </a:solidFill>
+                <a:latin typeface="+mj-lt"/>
+                <a:ea typeface="+mj-ea"/>
+                <a:cs typeface="+mj-cs"/>
+              </a:defRPr>
+            </a:lvl1pPr>
+          </a:lstStyle>
+          <a:p>
+            <a:pPr algn="l"/>
+            <a:r>
+              <a:rPr lang="pt-PT" sz="2800" dirty="0">
+                <a:latin typeface="Avenir Next LT Pro Demi" panose="020B0704020202020204" pitchFamily="34" charset="0"/>
+              </a:rPr>
+              <a:t>Referências</a:t>
+            </a:r>
+          </a:p>
+        </p:txBody>
+      </p:sp>
+      <p:cxnSp>
+        <p:nvCxnSpPr>
+          <p:cNvPr id="6" name="Straight Connector 5">
+            <a:extLst>
+              <a:ext uri="{FF2B5EF4-FFF2-40B4-BE49-F238E27FC236}">
+                <a16:creationId xmlns:a16="http://schemas.microsoft.com/office/drawing/2014/main" id="{6567B9AD-50B7-B24C-C9BD-7161DB3FA588}"/>
+              </a:ext>
+            </a:extLst>
+          </p:cNvPr>
+          <p:cNvCxnSpPr>
+            <a:cxnSpLocks/>
+          </p:cNvCxnSpPr>
+          <p:nvPr/>
+        </p:nvCxnSpPr>
+        <p:spPr>
+          <a:xfrm>
+            <a:off x="1066694" y="1582634"/>
+            <a:ext cx="533483" cy="0"/>
+          </a:xfrm>
+          <a:prstGeom prst="line">
+            <a:avLst/>
+          </a:prstGeom>
+          <a:ln w="38100">
+            <a:solidFill>
+              <a:schemeClr val="tx1"/>
+            </a:solidFill>
+          </a:ln>
+        </p:spPr>
+        <p:style>
+          <a:lnRef idx="1">
+            <a:schemeClr val="accent1"/>
+          </a:lnRef>
+          <a:fillRef idx="0">
+            <a:schemeClr val="accent1"/>
+          </a:fillRef>
+          <a:effectRef idx="0">
+            <a:schemeClr val="accent1"/>
+          </a:effectRef>
+          <a:fontRef idx="minor">
+            <a:schemeClr val="tx1"/>
+          </a:fontRef>
+        </p:style>
+      </p:cxnSp>
     </p:spTree>
     <p:extLst>
       <p:ext uri="{BB962C8B-B14F-4D97-AF65-F5344CB8AC3E}">
@@ -5588,7 +6631,7 @@
 </p:sld>
 </file>
 
-<file path=ppt/slides/slide5.xml><?xml version="1.0" encoding="utf-8"?>
+<file path=ppt/slides/slide7.xml><?xml version="1.0" encoding="utf-8"?>
 <p:sld xmlns:a="http://schemas.openxmlformats.org/drawingml/2006/main" xmlns:r="http://schemas.openxmlformats.org/officeDocument/2006/relationships" xmlns:p="http://schemas.openxmlformats.org/presentationml/2006/main">
   <p:cSld>
     <p:spTree>

--- a/workshop_presentation.pptx
+++ b/workshop_presentation.pptx
@@ -215,7 +215,7 @@
           <a:p>
             <a:fld id="{97D99162-D6EF-4885-9C78-4121CE2B4175}" type="datetimeFigureOut">
               <a:rPr lang="en-GB" smtClean="0"/>
-              <a:t>14/09/2022</a:t>
+              <a:t>15/09/2022</a:t>
             </a:fld>
             <a:endParaRPr lang="en-GB"/>
           </a:p>
@@ -630,7 +630,7 @@
           <a:p>
             <a:fld id="{94AF528F-1393-4660-BBE4-86D18F5E388D}" type="datetimeFigureOut">
               <a:rPr lang="en-US" smtClean="0"/>
-              <a:t>9/14/2022</a:t>
+              <a:t>9/15/2022</a:t>
             </a:fld>
             <a:endParaRPr lang="en-US"/>
           </a:p>
@@ -828,7 +828,7 @@
           <a:p>
             <a:fld id="{94AF528F-1393-4660-BBE4-86D18F5E388D}" type="datetimeFigureOut">
               <a:rPr lang="en-US" smtClean="0"/>
-              <a:t>9/14/2022</a:t>
+              <a:t>9/15/2022</a:t>
             </a:fld>
             <a:endParaRPr lang="en-US"/>
           </a:p>
@@ -1036,7 +1036,7 @@
           <a:p>
             <a:fld id="{94AF528F-1393-4660-BBE4-86D18F5E388D}" type="datetimeFigureOut">
               <a:rPr lang="en-US" smtClean="0"/>
-              <a:t>9/14/2022</a:t>
+              <a:t>9/15/2022</a:t>
             </a:fld>
             <a:endParaRPr lang="en-US"/>
           </a:p>
@@ -1234,7 +1234,7 @@
           <a:p>
             <a:fld id="{94AF528F-1393-4660-BBE4-86D18F5E388D}" type="datetimeFigureOut">
               <a:rPr lang="en-US" smtClean="0"/>
-              <a:t>9/14/2022</a:t>
+              <a:t>9/15/2022</a:t>
             </a:fld>
             <a:endParaRPr lang="en-US"/>
           </a:p>
@@ -1509,7 +1509,7 @@
           <a:p>
             <a:fld id="{94AF528F-1393-4660-BBE4-86D18F5E388D}" type="datetimeFigureOut">
               <a:rPr lang="en-US" smtClean="0"/>
-              <a:t>9/14/2022</a:t>
+              <a:t>9/15/2022</a:t>
             </a:fld>
             <a:endParaRPr lang="en-US"/>
           </a:p>
@@ -1774,7 +1774,7 @@
           <a:p>
             <a:fld id="{94AF528F-1393-4660-BBE4-86D18F5E388D}" type="datetimeFigureOut">
               <a:rPr lang="en-US" smtClean="0"/>
-              <a:t>9/14/2022</a:t>
+              <a:t>9/15/2022</a:t>
             </a:fld>
             <a:endParaRPr lang="en-US"/>
           </a:p>
@@ -2186,7 +2186,7 @@
           <a:p>
             <a:fld id="{94AF528F-1393-4660-BBE4-86D18F5E388D}" type="datetimeFigureOut">
               <a:rPr lang="en-US" smtClean="0"/>
-              <a:t>9/14/2022</a:t>
+              <a:t>9/15/2022</a:t>
             </a:fld>
             <a:endParaRPr lang="en-US"/>
           </a:p>
@@ -2327,7 +2327,7 @@
           <a:p>
             <a:fld id="{94AF528F-1393-4660-BBE4-86D18F5E388D}" type="datetimeFigureOut">
               <a:rPr lang="en-US" smtClean="0"/>
-              <a:t>9/14/2022</a:t>
+              <a:t>9/15/2022</a:t>
             </a:fld>
             <a:endParaRPr lang="en-US"/>
           </a:p>
@@ -2440,7 +2440,7 @@
           <a:p>
             <a:fld id="{94AF528F-1393-4660-BBE4-86D18F5E388D}" type="datetimeFigureOut">
               <a:rPr lang="en-US" smtClean="0"/>
-              <a:t>9/14/2022</a:t>
+              <a:t>9/15/2022</a:t>
             </a:fld>
             <a:endParaRPr lang="en-US"/>
           </a:p>
@@ -2751,7 +2751,7 @@
           <a:p>
             <a:fld id="{94AF528F-1393-4660-BBE4-86D18F5E388D}" type="datetimeFigureOut">
               <a:rPr lang="en-US" smtClean="0"/>
-              <a:t>9/14/2022</a:t>
+              <a:t>9/15/2022</a:t>
             </a:fld>
             <a:endParaRPr lang="en-US"/>
           </a:p>
@@ -3039,7 +3039,7 @@
           <a:p>
             <a:fld id="{94AF528F-1393-4660-BBE4-86D18F5E388D}" type="datetimeFigureOut">
               <a:rPr lang="en-US" smtClean="0"/>
-              <a:t>9/14/2022</a:t>
+              <a:t>9/15/2022</a:t>
             </a:fld>
             <a:endParaRPr lang="en-US"/>
           </a:p>
@@ -3280,7 +3280,7 @@
           <a:p>
             <a:fld id="{94AF528F-1393-4660-BBE4-86D18F5E388D}" type="datetimeFigureOut">
               <a:rPr lang="en-US" smtClean="0"/>
-              <a:t>9/14/2022</a:t>
+              <a:t>9/15/2022</a:t>
             </a:fld>
             <a:endParaRPr lang="en-US"/>
           </a:p>
@@ -4791,7 +4791,7 @@
         <p:spPr>
           <a:xfrm>
             <a:off x="958289" y="1979087"/>
-            <a:ext cx="10083337" cy="4852098"/>
+            <a:ext cx="10083337" cy="4482766"/>
           </a:xfrm>
           <a:prstGeom prst="rect">
             <a:avLst/>
@@ -4891,34 +4891,6 @@
                 <a:latin typeface="Avenir Next LT Pro" panose="020B0504020202020204" pitchFamily="34" charset="0"/>
               </a:rPr>
               <a:t>Usar as funções da classe BeautifulSoup em conjunto com as características únicas encontradas para filtrar/navegar pelo HTML até chegar aos conteúdos pretendidos</a:t>
-            </a:r>
-          </a:p>
-          <a:p>
-            <a:pPr marL="342900" indent="-342900">
-              <a:lnSpc>
-                <a:spcPct val="150000"/>
-              </a:lnSpc>
-              <a:buFont typeface="Arial" panose="020B0604020202020204" pitchFamily="34" charset="0"/>
-              <a:buChar char="•"/>
-            </a:pPr>
-            <a:r>
-              <a:rPr lang="pt-PT" sz="1600" dirty="0">
-                <a:latin typeface="Avenir Next LT Pro" panose="020B0504020202020204" pitchFamily="34" charset="0"/>
-              </a:rPr>
-              <a:t>Documentação do módulo: </a:t>
-            </a:r>
-            <a:r>
-              <a:rPr lang="pt-PT" sz="1600" dirty="0">
-                <a:latin typeface="Avenir Next LT Pro" panose="020B0504020202020204" pitchFamily="34" charset="0"/>
-                <a:hlinkClick r:id="rId7"/>
-              </a:rPr>
-              <a:t>https://www.crummy.com/software/BeautifulSoup/bs4/doc/</a:t>
-            </a:r>
-            <a:r>
-              <a:rPr lang="pt-PT" sz="1600" dirty="0">
-                <a:latin typeface="Avenir Next LT Pro" panose="020B0504020202020204" pitchFamily="34" charset="0"/>
-              </a:rPr>
-              <a:t> </a:t>
             </a:r>
           </a:p>
           <a:p>

--- a/workshop_presentation.pptx
+++ b/workshop_presentation.pptx
@@ -215,7 +215,7 @@
           <a:p>
             <a:fld id="{97D99162-D6EF-4885-9C78-4121CE2B4175}" type="datetimeFigureOut">
               <a:rPr lang="en-GB" smtClean="0"/>
-              <a:t>15/09/2022</a:t>
+              <a:t>16/09/2022</a:t>
             </a:fld>
             <a:endParaRPr lang="en-GB"/>
           </a:p>
@@ -630,7 +630,7 @@
           <a:p>
             <a:fld id="{94AF528F-1393-4660-BBE4-86D18F5E388D}" type="datetimeFigureOut">
               <a:rPr lang="en-US" smtClean="0"/>
-              <a:t>9/15/2022</a:t>
+              <a:t>9/16/2022</a:t>
             </a:fld>
             <a:endParaRPr lang="en-US"/>
           </a:p>
@@ -828,7 +828,7 @@
           <a:p>
             <a:fld id="{94AF528F-1393-4660-BBE4-86D18F5E388D}" type="datetimeFigureOut">
               <a:rPr lang="en-US" smtClean="0"/>
-              <a:t>9/15/2022</a:t>
+              <a:t>9/16/2022</a:t>
             </a:fld>
             <a:endParaRPr lang="en-US"/>
           </a:p>
@@ -1036,7 +1036,7 @@
           <a:p>
             <a:fld id="{94AF528F-1393-4660-BBE4-86D18F5E388D}" type="datetimeFigureOut">
               <a:rPr lang="en-US" smtClean="0"/>
-              <a:t>9/15/2022</a:t>
+              <a:t>9/16/2022</a:t>
             </a:fld>
             <a:endParaRPr lang="en-US"/>
           </a:p>
@@ -1234,7 +1234,7 @@
           <a:p>
             <a:fld id="{94AF528F-1393-4660-BBE4-86D18F5E388D}" type="datetimeFigureOut">
               <a:rPr lang="en-US" smtClean="0"/>
-              <a:t>9/15/2022</a:t>
+              <a:t>9/16/2022</a:t>
             </a:fld>
             <a:endParaRPr lang="en-US"/>
           </a:p>
@@ -1509,7 +1509,7 @@
           <a:p>
             <a:fld id="{94AF528F-1393-4660-BBE4-86D18F5E388D}" type="datetimeFigureOut">
               <a:rPr lang="en-US" smtClean="0"/>
-              <a:t>9/15/2022</a:t>
+              <a:t>9/16/2022</a:t>
             </a:fld>
             <a:endParaRPr lang="en-US"/>
           </a:p>
@@ -1774,7 +1774,7 @@
           <a:p>
             <a:fld id="{94AF528F-1393-4660-BBE4-86D18F5E388D}" type="datetimeFigureOut">
               <a:rPr lang="en-US" smtClean="0"/>
-              <a:t>9/15/2022</a:t>
+              <a:t>9/16/2022</a:t>
             </a:fld>
             <a:endParaRPr lang="en-US"/>
           </a:p>
@@ -2186,7 +2186,7 @@
           <a:p>
             <a:fld id="{94AF528F-1393-4660-BBE4-86D18F5E388D}" type="datetimeFigureOut">
               <a:rPr lang="en-US" smtClean="0"/>
-              <a:t>9/15/2022</a:t>
+              <a:t>9/16/2022</a:t>
             </a:fld>
             <a:endParaRPr lang="en-US"/>
           </a:p>
@@ -2327,7 +2327,7 @@
           <a:p>
             <a:fld id="{94AF528F-1393-4660-BBE4-86D18F5E388D}" type="datetimeFigureOut">
               <a:rPr lang="en-US" smtClean="0"/>
-              <a:t>9/15/2022</a:t>
+              <a:t>9/16/2022</a:t>
             </a:fld>
             <a:endParaRPr lang="en-US"/>
           </a:p>
@@ -2440,7 +2440,7 @@
           <a:p>
             <a:fld id="{94AF528F-1393-4660-BBE4-86D18F5E388D}" type="datetimeFigureOut">
               <a:rPr lang="en-US" smtClean="0"/>
-              <a:t>9/15/2022</a:t>
+              <a:t>9/16/2022</a:t>
             </a:fld>
             <a:endParaRPr lang="en-US"/>
           </a:p>
@@ -2751,7 +2751,7 @@
           <a:p>
             <a:fld id="{94AF528F-1393-4660-BBE4-86D18F5E388D}" type="datetimeFigureOut">
               <a:rPr lang="en-US" smtClean="0"/>
-              <a:t>9/15/2022</a:t>
+              <a:t>9/16/2022</a:t>
             </a:fld>
             <a:endParaRPr lang="en-US"/>
           </a:p>
@@ -3039,7 +3039,7 @@
           <a:p>
             <a:fld id="{94AF528F-1393-4660-BBE4-86D18F5E388D}" type="datetimeFigureOut">
               <a:rPr lang="en-US" smtClean="0"/>
-              <a:t>9/15/2022</a:t>
+              <a:t>9/16/2022</a:t>
             </a:fld>
             <a:endParaRPr lang="en-US"/>
           </a:p>
@@ -3280,7 +3280,7 @@
           <a:p>
             <a:fld id="{94AF528F-1393-4660-BBE4-86D18F5E388D}" type="datetimeFigureOut">
               <a:rPr lang="en-US" smtClean="0"/>
-              <a:t>9/15/2022</a:t>
+              <a:t>9/16/2022</a:t>
             </a:fld>
             <a:endParaRPr lang="en-US"/>
           </a:p>
@@ -5227,7 +5227,7 @@
         <p:spPr>
           <a:xfrm>
             <a:off x="958289" y="1979086"/>
-            <a:ext cx="10260317" cy="4113434"/>
+            <a:ext cx="10260317" cy="4580293"/>
           </a:xfrm>
           <a:prstGeom prst="rect">
             <a:avLst/>
@@ -5248,7 +5248,7 @@
               <a:buChar char="•"/>
             </a:pPr>
             <a:r>
-              <a:rPr lang="pt-PT" sz="1600" b="1" dirty="0">
+              <a:rPr lang="pt-PT" sz="1400" b="1" dirty="0">
                 <a:latin typeface="Avenir Next LT Pro" panose="020B0504020202020204" pitchFamily="34" charset="0"/>
               </a:rPr>
               <a:t>Páginas estáticas:</a:t>
@@ -5263,7 +5263,7 @@
               <a:buChar char="•"/>
             </a:pPr>
             <a:r>
-              <a:rPr lang="pt-PT" sz="1600" dirty="0">
+              <a:rPr lang="pt-PT" sz="1400" dirty="0">
                 <a:latin typeface="Avenir Next LT Pro" panose="020B0504020202020204" pitchFamily="34" charset="0"/>
               </a:rPr>
               <a:t>Os dados estão fixados no HTML quando a página carrega.</a:t>
@@ -5278,7 +5278,7 @@
               <a:buChar char="•"/>
             </a:pPr>
             <a:r>
-              <a:rPr lang="pt-PT" sz="1600" dirty="0">
+              <a:rPr lang="pt-PT" sz="1400" dirty="0">
                 <a:latin typeface="Avenir Next LT Pro" panose="020B0504020202020204" pitchFamily="34" charset="0"/>
               </a:rPr>
               <a:t>Bibliotecas simples de “requests” podem ser usados  para extrair o HTML com os dados.</a:t>
@@ -5290,7 +5290,7 @@
                 <a:spcPct val="150000"/>
               </a:lnSpc>
             </a:pPr>
-            <a:endParaRPr lang="pt-PT" sz="1600" dirty="0">
+            <a:endParaRPr lang="pt-PT" sz="1400" dirty="0">
               <a:latin typeface="Avenir Next LT Pro" panose="020B0504020202020204" pitchFamily="34" charset="0"/>
             </a:endParaRPr>
           </a:p>
@@ -5303,7 +5303,7 @@
               <a:buChar char="•"/>
             </a:pPr>
             <a:r>
-              <a:rPr lang="pt-PT" sz="1600" b="1" dirty="0">
+              <a:rPr lang="pt-PT" sz="1400" b="1" dirty="0">
                 <a:latin typeface="Avenir Next LT Pro" panose="020B0504020202020204" pitchFamily="34" charset="0"/>
               </a:rPr>
               <a:t>Páginas dinâmicas:</a:t>
@@ -5318,7 +5318,7 @@
               <a:buChar char="•"/>
             </a:pPr>
             <a:r>
-              <a:rPr lang="pt-PT" sz="1600" dirty="0">
+              <a:rPr lang="pt-PT" sz="1400" dirty="0">
                 <a:latin typeface="Avenir Next LT Pro" panose="020B0504020202020204" pitchFamily="34" charset="0"/>
               </a:rPr>
               <a:t>Só depois de carregado o HTML é este é populado com dados através de JavaScript.</a:t>
@@ -5333,7 +5333,7 @@
               <a:buChar char="•"/>
             </a:pPr>
             <a:r>
-              <a:rPr lang="pt-PT" sz="1600" dirty="0">
+              <a:rPr lang="pt-PT" sz="1400" dirty="0">
                 <a:latin typeface="Avenir Next LT Pro" panose="020B0504020202020204" pitchFamily="34" charset="0"/>
               </a:rPr>
               <a:t>Usando bibliotecas simples de “requests”, geralmente são retornados páginas vazias.</a:t>
@@ -5348,7 +5348,7 @@
               <a:buChar char="•"/>
             </a:pPr>
             <a:r>
-              <a:rPr lang="pt-PT" sz="1600" dirty="0">
+              <a:rPr lang="pt-PT" sz="1400" dirty="0">
                 <a:latin typeface="Avenir Next LT Pro" panose="020B0504020202020204" pitchFamily="34" charset="0"/>
               </a:rPr>
               <a:t>Usa-se módulo Selenium para simular a execução da página e do JavaScript que popula o HTML.</a:t>
@@ -5360,7 +5360,7 @@
                 <a:spcPct val="150000"/>
               </a:lnSpc>
             </a:pPr>
-            <a:endParaRPr lang="pt-PT" sz="1600" dirty="0">
+            <a:endParaRPr lang="pt-PT" sz="1400" dirty="0">
               <a:latin typeface="Avenir Next LT Pro" panose="020B0504020202020204" pitchFamily="34" charset="0"/>
             </a:endParaRPr>
           </a:p>
@@ -5373,10 +5373,46 @@
               <a:buChar char="•"/>
             </a:pPr>
             <a:r>
-              <a:rPr lang="pt-PT" sz="1600" dirty="0">
+              <a:rPr lang="pt-PT" sz="1400" b="1" dirty="0">
                 <a:latin typeface="Avenir Next LT Pro" panose="020B0504020202020204" pitchFamily="34" charset="0"/>
               </a:rPr>
-              <a:t>Usar browser para inspecionar HTML da página</a:t>
+              <a:t>Usar browser para analisar HTML da página</a:t>
+            </a:r>
+            <a:r>
+              <a:rPr lang="pt-PT" sz="1400" dirty="0">
+                <a:latin typeface="Avenir Next LT Pro" panose="020B0504020202020204" pitchFamily="34" charset="0"/>
+              </a:rPr>
+              <a:t>:</a:t>
+            </a:r>
+          </a:p>
+          <a:p>
+            <a:pPr marL="742950" lvl="1" indent="-285750">
+              <a:lnSpc>
+                <a:spcPct val="150000"/>
+              </a:lnSpc>
+              <a:buFont typeface="Arial" panose="020B0604020202020204" pitchFamily="34" charset="0"/>
+              <a:buChar char="•"/>
+            </a:pPr>
+            <a:r>
+              <a:rPr lang="pt-PT" sz="1400" dirty="0">
+                <a:latin typeface="Avenir Next LT Pro" panose="020B0504020202020204" pitchFamily="34" charset="0"/>
+              </a:rPr>
+              <a:t>Ver fonte da página (view source) – mostra HTML entregue originalmente pelo servidor (antes de executar javascript)</a:t>
+            </a:r>
+          </a:p>
+          <a:p>
+            <a:pPr marL="742950" lvl="1" indent="-285750">
+              <a:lnSpc>
+                <a:spcPct val="150000"/>
+              </a:lnSpc>
+              <a:buFont typeface="Arial" panose="020B0604020202020204" pitchFamily="34" charset="0"/>
+              <a:buChar char="•"/>
+            </a:pPr>
+            <a:r>
+              <a:rPr lang="pt-PT" sz="1400" dirty="0">
+                <a:latin typeface="Avenir Next LT Pro" panose="020B0504020202020204" pitchFamily="34" charset="0"/>
+              </a:rPr>
+              <a:t>Inspecionar (inspect element) – mostra HTML da página que se está a visualizar (após executar javascript)</a:t>
             </a:r>
           </a:p>
           <a:p>
@@ -5387,7 +5423,7 @@
               <a:buFont typeface="Arial" panose="020B0604020202020204" pitchFamily="34" charset="0"/>
               <a:buChar char="•"/>
             </a:pPr>
-            <a:endParaRPr lang="pt-PT" sz="1600" dirty="0">
+            <a:endParaRPr lang="pt-PT" sz="1400" dirty="0">
               <a:latin typeface="Avenir Next LT Pro" panose="020B0504020202020204" pitchFamily="34" charset="0"/>
             </a:endParaRPr>
           </a:p>
